--- a/shemas/Выступление.pptx
+++ b/shemas/Выступление.pptx
@@ -4312,7 +4312,7 @@
             </a:r>
             <a:r>
               <a:rPr lang="ru-RU" dirty="0"/>
-              <a:t> СУБД </a:t>
+              <a:t> </a:t>
             </a:r>
             <a:r>
               <a:rPr lang="en-US" dirty="0"/>

--- a/shemas/Выступление.pptx
+++ b/shemas/Выступление.pptx
@@ -9,7 +9,9 @@
     <p:sldId id="257" r:id="rId3"/>
     <p:sldId id="258" r:id="rId4"/>
     <p:sldId id="259" r:id="rId5"/>
-    <p:sldId id="260" r:id="rId6"/>
+    <p:sldId id="261" r:id="rId6"/>
+    <p:sldId id="262" r:id="rId7"/>
+    <p:sldId id="260" r:id="rId8"/>
   </p:sldIdLst>
   <p:sldSz cx="12192000" cy="6858000"/>
   <p:notesSz cx="6858000" cy="9144000"/>
@@ -361,7 +363,7 @@
           <a:p>
             <a:fld id="{2312F820-FEDE-44E2-BBF6-276B96259D51}" type="datetimeFigureOut">
               <a:rPr lang="ru-RU" smtClean="0"/>
-              <a:t>08.06.2022</a:t>
+              <a:t>24.06.2022</a:t>
             </a:fld>
             <a:endParaRPr lang="ru-RU"/>
           </a:p>
@@ -623,7 +625,7 @@
           <a:p>
             <a:fld id="{2312F820-FEDE-44E2-BBF6-276B96259D51}" type="datetimeFigureOut">
               <a:rPr lang="ru-RU" smtClean="0"/>
-              <a:t>08.06.2022</a:t>
+              <a:t>24.06.2022</a:t>
             </a:fld>
             <a:endParaRPr lang="ru-RU"/>
           </a:p>
@@ -858,7 +860,7 @@
           <a:p>
             <a:fld id="{2312F820-FEDE-44E2-BBF6-276B96259D51}" type="datetimeFigureOut">
               <a:rPr lang="ru-RU" smtClean="0"/>
-              <a:t>08.06.2022</a:t>
+              <a:t>24.06.2022</a:t>
             </a:fld>
             <a:endParaRPr lang="ru-RU"/>
           </a:p>
@@ -1098,7 +1100,7 @@
           <a:p>
             <a:fld id="{2312F820-FEDE-44E2-BBF6-276B96259D51}" type="datetimeFigureOut">
               <a:rPr lang="ru-RU" smtClean="0"/>
-              <a:t>08.06.2022</a:t>
+              <a:t>24.06.2022</a:t>
             </a:fld>
             <a:endParaRPr lang="ru-RU"/>
           </a:p>
@@ -1405,7 +1407,7 @@
           <a:p>
             <a:fld id="{2312F820-FEDE-44E2-BBF6-276B96259D51}" type="datetimeFigureOut">
               <a:rPr lang="ru-RU" smtClean="0"/>
-              <a:t>08.06.2022</a:t>
+              <a:t>24.06.2022</a:t>
             </a:fld>
             <a:endParaRPr lang="ru-RU"/>
           </a:p>
@@ -1707,7 +1709,7 @@
           <a:p>
             <a:fld id="{2312F820-FEDE-44E2-BBF6-276B96259D51}" type="datetimeFigureOut">
               <a:rPr lang="ru-RU" smtClean="0"/>
-              <a:t>08.06.2022</a:t>
+              <a:t>24.06.2022</a:t>
             </a:fld>
             <a:endParaRPr lang="ru-RU"/>
           </a:p>
@@ -2129,7 +2131,7 @@
           <a:p>
             <a:fld id="{2312F820-FEDE-44E2-BBF6-276B96259D51}" type="datetimeFigureOut">
               <a:rPr lang="ru-RU" smtClean="0"/>
-              <a:t>08.06.2022</a:t>
+              <a:t>24.06.2022</a:t>
             </a:fld>
             <a:endParaRPr lang="ru-RU"/>
           </a:p>
@@ -2224,7 +2226,7 @@
           <a:p>
             <a:fld id="{2312F820-FEDE-44E2-BBF6-276B96259D51}" type="datetimeFigureOut">
               <a:rPr lang="ru-RU" smtClean="0"/>
-              <a:t>08.06.2022</a:t>
+              <a:t>24.06.2022</a:t>
             </a:fld>
             <a:endParaRPr lang="ru-RU"/>
           </a:p>
@@ -2386,7 +2388,7 @@
           <a:p>
             <a:fld id="{2312F820-FEDE-44E2-BBF6-276B96259D51}" type="datetimeFigureOut">
               <a:rPr lang="ru-RU" smtClean="0"/>
-              <a:t>08.06.2022</a:t>
+              <a:t>24.06.2022</a:t>
             </a:fld>
             <a:endParaRPr lang="ru-RU"/>
           </a:p>
@@ -2764,7 +2766,7 @@
           <a:p>
             <a:fld id="{2312F820-FEDE-44E2-BBF6-276B96259D51}" type="datetimeFigureOut">
               <a:rPr lang="ru-RU" smtClean="0"/>
-              <a:t>08.06.2022</a:t>
+              <a:t>24.06.2022</a:t>
             </a:fld>
             <a:endParaRPr lang="ru-RU"/>
           </a:p>
@@ -3053,7 +3055,7 @@
           <a:p>
             <a:fld id="{2312F820-FEDE-44E2-BBF6-276B96259D51}" type="datetimeFigureOut">
               <a:rPr lang="ru-RU" smtClean="0"/>
-              <a:t>08.06.2022</a:t>
+              <a:t>24.06.2022</a:t>
             </a:fld>
             <a:endParaRPr lang="ru-RU"/>
           </a:p>
@@ -3264,7 +3266,7 @@
           <a:p>
             <a:fld id="{2312F820-FEDE-44E2-BBF6-276B96259D51}" type="datetimeFigureOut">
               <a:rPr lang="ru-RU" smtClean="0"/>
-              <a:t>08.06.2022</a:t>
+              <a:t>24.06.2022</a:t>
             </a:fld>
             <a:endParaRPr lang="ru-RU"/>
           </a:p>
@@ -4001,10 +4003,7 @@
           <a:bodyPr/>
           <a:lstStyle/>
           <a:p>
-            <a:r>
-              <a:rPr lang="ru-RU" dirty="0"/>
-              <a:t>Написать пояснительную записку</a:t>
-            </a:r>
+            <a:endParaRPr lang="ru-RU" dirty="0"/>
           </a:p>
           <a:p>
             <a:r>
@@ -4016,6 +4015,20 @@
             <a:r>
               <a:rPr lang="ru-RU" dirty="0"/>
               <a:t>Проработать и создать БД</a:t>
+            </a:r>
+          </a:p>
+          <a:p>
+            <a:r>
+              <a:rPr lang="ru-RU" dirty="0"/>
+              <a:t>Изучить основы работы с облачной </a:t>
+            </a:r>
+            <a:r>
+              <a:rPr lang="ru-RU" dirty="0" err="1"/>
+              <a:t>нереляционной</a:t>
+            </a:r>
+            <a:r>
+              <a:rPr lang="ru-RU" dirty="0"/>
+              <a:t> структурой хранения данных</a:t>
             </a:r>
           </a:p>
         </p:txBody>
@@ -4073,7 +4086,7 @@
           <a:p>
             <a:r>
               <a:rPr lang="ru-RU" dirty="0"/>
-              <a:t>ФМС</a:t>
+              <a:t>Функционально-модульная схема приложения</a:t>
             </a:r>
           </a:p>
         </p:txBody>
@@ -4108,7 +4121,7 @@
         </p:blipFill>
         <p:spPr>
           <a:xfrm>
-            <a:off x="2869404" y="2181225"/>
+            <a:off x="2869404" y="2146391"/>
             <a:ext cx="6453191" cy="3678238"/>
           </a:xfrm>
         </p:spPr>
@@ -4166,13 +4179,8 @@
           <a:p>
             <a:r>
               <a:rPr lang="ru-RU" dirty="0"/>
-              <a:t>Реляционная Схема </a:t>
-            </a:r>
-            <a:r>
-              <a:rPr lang="ru-RU" dirty="0" err="1"/>
-              <a:t>бд</a:t>
-            </a:r>
-            <a:endParaRPr lang="ru-RU" dirty="0"/>
+              <a:t>Реляционная Схема базы данных</a:t>
+            </a:r>
           </a:p>
         </p:txBody>
       </p:sp>
@@ -4246,6 +4254,275 @@
           <p:cNvPr id="2" name="Заголовок 1">
             <a:extLst>
               <a:ext uri="{FF2B5EF4-FFF2-40B4-BE49-F238E27FC236}">
+                <a16:creationId xmlns:a16="http://schemas.microsoft.com/office/drawing/2014/main" id="{B7089059-ECD9-4D19-B311-E313D878B8F2}"/>
+              </a:ext>
+            </a:extLst>
+          </p:cNvPr>
+          <p:cNvSpPr>
+            <a:spLocks noGrp="1"/>
+          </p:cNvSpPr>
+          <p:nvPr>
+            <p:ph type="title" idx="4294967295"/>
+          </p:nvPr>
+        </p:nvSpPr>
+        <p:spPr>
+          <a:xfrm>
+            <a:off x="0" y="701675"/>
+            <a:ext cx="11029950" cy="1004888"/>
+          </a:xfrm>
+        </p:spPr>
+        <p:txBody>
+          <a:bodyPr/>
+          <a:lstStyle/>
+          <a:p>
+            <a:r>
+              <a:rPr lang="ru-RU" dirty="0"/>
+              <a:t>Блок-схема алгоритма отправки сообщения</a:t>
+            </a:r>
+          </a:p>
+        </p:txBody>
+      </p:sp>
+      <p:pic>
+        <p:nvPicPr>
+          <p:cNvPr id="5" name="Объект 4">
+            <a:extLst>
+              <a:ext uri="{FF2B5EF4-FFF2-40B4-BE49-F238E27FC236}">
+                <a16:creationId xmlns:a16="http://schemas.microsoft.com/office/drawing/2014/main" id="{A61EC3AE-D0DC-41C9-87A1-97EB83811C94}"/>
+              </a:ext>
+            </a:extLst>
+          </p:cNvPr>
+          <p:cNvPicPr>
+            <a:picLocks noGrp="1" noChangeAspect="1"/>
+          </p:cNvPicPr>
+          <p:nvPr>
+            <p:ph idx="4294967295"/>
+          </p:nvPr>
+        </p:nvPicPr>
+        <p:blipFill>
+          <a:blip r:embed="rId2">
+            <a:extLst>
+              <a:ext uri="{28A0092B-C50C-407E-A947-70E740481C1C}">
+                <a14:useLocalDpi xmlns:a14="http://schemas.microsoft.com/office/drawing/2010/main" val="0"/>
+              </a:ext>
+            </a:extLst>
+          </a:blip>
+          <a:stretch>
+            <a:fillRect/>
+          </a:stretch>
+        </p:blipFill>
+        <p:spPr>
+          <a:xfrm>
+            <a:off x="5088729" y="1189744"/>
+            <a:ext cx="2014537" cy="5570538"/>
+          </a:xfrm>
+        </p:spPr>
+      </p:pic>
+      <p:sp>
+        <p:nvSpPr>
+          <p:cNvPr id="6" name="TextBox 5">
+            <a:extLst>
+              <a:ext uri="{FF2B5EF4-FFF2-40B4-BE49-F238E27FC236}">
+                <a16:creationId xmlns:a16="http://schemas.microsoft.com/office/drawing/2014/main" id="{260106D3-D6FC-43E1-A01F-29B4A9340EC7}"/>
+              </a:ext>
+            </a:extLst>
+          </p:cNvPr>
+          <p:cNvSpPr txBox="1"/>
+          <p:nvPr/>
+        </p:nvSpPr>
+        <p:spPr>
+          <a:xfrm>
+            <a:off x="1785940" y="666524"/>
+            <a:ext cx="8620117" cy="523220"/>
+          </a:xfrm>
+          <a:prstGeom prst="rect">
+            <a:avLst/>
+          </a:prstGeom>
+          <a:noFill/>
+        </p:spPr>
+        <p:txBody>
+          <a:bodyPr wrap="none" rtlCol="0">
+            <a:spAutoFit/>
+          </a:bodyPr>
+          <a:lstStyle/>
+          <a:p>
+            <a:r>
+              <a:rPr lang="ru-RU" sz="2800" dirty="0"/>
+              <a:t>БЛОК-СХЕМА АЛГОРИТМА ОТПРАВКИ СООБЩЕНИЯ</a:t>
+            </a:r>
+          </a:p>
+        </p:txBody>
+      </p:sp>
+    </p:spTree>
+    <p:extLst>
+      <p:ext uri="{BB962C8B-B14F-4D97-AF65-F5344CB8AC3E}">
+        <p14:creationId xmlns:p14="http://schemas.microsoft.com/office/powerpoint/2010/main" val="4075519341"/>
+      </p:ext>
+    </p:extLst>
+  </p:cSld>
+  <p:clrMapOvr>
+    <a:masterClrMapping/>
+  </p:clrMapOvr>
+</p:sld>
+</file>
+
+<file path=ppt/slides/slide6.xml><?xml version="1.0" encoding="utf-8"?>
+<p:sld xmlns:a="http://schemas.openxmlformats.org/drawingml/2006/main" xmlns:r="http://schemas.openxmlformats.org/officeDocument/2006/relationships" xmlns:p="http://schemas.openxmlformats.org/presentationml/2006/main">
+  <p:cSld>
+    <p:spTree>
+      <p:nvGrpSpPr>
+        <p:cNvPr id="1" name=""/>
+        <p:cNvGrpSpPr/>
+        <p:nvPr/>
+      </p:nvGrpSpPr>
+      <p:grpSpPr>
+        <a:xfrm>
+          <a:off x="0" y="0"/>
+          <a:ext cx="0" cy="0"/>
+          <a:chOff x="0" y="0"/>
+          <a:chExt cx="0" cy="0"/>
+        </a:xfrm>
+      </p:grpSpPr>
+      <p:sp>
+        <p:nvSpPr>
+          <p:cNvPr id="2" name="Заголовок 1">
+            <a:extLst>
+              <a:ext uri="{FF2B5EF4-FFF2-40B4-BE49-F238E27FC236}">
+                <a16:creationId xmlns:a16="http://schemas.microsoft.com/office/drawing/2014/main" id="{996C7CD6-9010-4CEB-B243-50075C5AB8AF}"/>
+              </a:ext>
+            </a:extLst>
+          </p:cNvPr>
+          <p:cNvSpPr>
+            <a:spLocks noGrp="1"/>
+          </p:cNvSpPr>
+          <p:nvPr>
+            <p:ph type="title"/>
+          </p:nvPr>
+        </p:nvSpPr>
+        <p:spPr/>
+        <p:txBody>
+          <a:bodyPr/>
+          <a:lstStyle/>
+          <a:p>
+            <a:r>
+              <a:rPr lang="ru-RU" dirty="0"/>
+              <a:t>ОСОБЕННОСТИ РАБОТЫ С БАЗОЙ ДАННЫХ</a:t>
+            </a:r>
+          </a:p>
+        </p:txBody>
+      </p:sp>
+      <p:sp>
+        <p:nvSpPr>
+          <p:cNvPr id="3" name="Объект 2">
+            <a:extLst>
+              <a:ext uri="{FF2B5EF4-FFF2-40B4-BE49-F238E27FC236}">
+                <a16:creationId xmlns:a16="http://schemas.microsoft.com/office/drawing/2014/main" id="{B8B7F0DC-4C49-4D84-B2A5-8DE18EDE2CD2}"/>
+              </a:ext>
+            </a:extLst>
+          </p:cNvPr>
+          <p:cNvSpPr>
+            <a:spLocks noGrp="1"/>
+          </p:cNvSpPr>
+          <p:nvPr>
+            <p:ph idx="1"/>
+          </p:nvPr>
+        </p:nvSpPr>
+        <p:spPr/>
+        <p:txBody>
+          <a:bodyPr/>
+          <a:lstStyle/>
+          <a:p>
+            <a:pPr marL="0" indent="0">
+              <a:buNone/>
+            </a:pPr>
+            <a:r>
+              <a:rPr lang="ru-RU" dirty="0"/>
+              <a:t>К особенностям выбранной системы управления базами данных относятся:</a:t>
+            </a:r>
+          </a:p>
+          <a:p>
+            <a:r>
+              <a:rPr lang="en-US" dirty="0"/>
+              <a:t>Firebase </a:t>
+            </a:r>
+            <a:r>
+              <a:rPr lang="ru-RU" dirty="0"/>
+              <a:t>является облачной и </a:t>
+            </a:r>
+            <a:r>
+              <a:rPr lang="ru-RU" dirty="0" err="1"/>
+              <a:t>нереляционной</a:t>
+            </a:r>
+            <a:r>
+              <a:rPr lang="ru-RU" dirty="0"/>
+              <a:t> системой;</a:t>
+            </a:r>
+          </a:p>
+          <a:p>
+            <a:r>
+              <a:rPr lang="ru-RU" dirty="0"/>
+              <a:t>Все данные хранятся в базе в режиме реального времени;</a:t>
+            </a:r>
+          </a:p>
+          <a:p>
+            <a:r>
+              <a:rPr lang="ru-RU" dirty="0"/>
+              <a:t>Все данные хранятся в базе в формате </a:t>
+            </a:r>
+            <a:r>
+              <a:rPr lang="en-US" dirty="0"/>
+              <a:t>json</a:t>
+            </a:r>
+            <a:r>
+              <a:rPr lang="ru-RU" dirty="0"/>
+              <a:t>;</a:t>
+            </a:r>
+          </a:p>
+          <a:p>
+            <a:r>
+              <a:rPr lang="ru-RU" dirty="0"/>
+              <a:t>Выбранная система предоставляет удобные методы для чтения и записи данных;</a:t>
+            </a:r>
+          </a:p>
+          <a:p>
+            <a:endParaRPr lang="en-US" dirty="0"/>
+          </a:p>
+        </p:txBody>
+      </p:sp>
+    </p:spTree>
+    <p:extLst>
+      <p:ext uri="{BB962C8B-B14F-4D97-AF65-F5344CB8AC3E}">
+        <p14:creationId xmlns:p14="http://schemas.microsoft.com/office/powerpoint/2010/main" val="2446424303"/>
+      </p:ext>
+    </p:extLst>
+  </p:cSld>
+  <p:clrMapOvr>
+    <a:masterClrMapping/>
+  </p:clrMapOvr>
+</p:sld>
+</file>
+
+<file path=ppt/slides/slide7.xml><?xml version="1.0" encoding="utf-8"?>
+<p:sld xmlns:a="http://schemas.openxmlformats.org/drawingml/2006/main" xmlns:r="http://schemas.openxmlformats.org/officeDocument/2006/relationships" xmlns:p="http://schemas.openxmlformats.org/presentationml/2006/main">
+  <p:cSld>
+    <p:spTree>
+      <p:nvGrpSpPr>
+        <p:cNvPr id="1" name=""/>
+        <p:cNvGrpSpPr/>
+        <p:nvPr/>
+      </p:nvGrpSpPr>
+      <p:grpSpPr>
+        <a:xfrm>
+          <a:off x="0" y="0"/>
+          <a:ext cx="0" cy="0"/>
+          <a:chOff x="0" y="0"/>
+          <a:chExt cx="0" cy="0"/>
+        </a:xfrm>
+      </p:grpSpPr>
+      <p:sp>
+        <p:nvSpPr>
+          <p:cNvPr id="2" name="Заголовок 1">
+            <a:extLst>
+              <a:ext uri="{FF2B5EF4-FFF2-40B4-BE49-F238E27FC236}">
                 <a16:creationId xmlns:a16="http://schemas.microsoft.com/office/drawing/2014/main" id="{A514BB67-47CB-44D4-A67C-E1A64929D3AF}"/>
               </a:ext>
             </a:extLst>
@@ -4292,33 +4569,33 @@
           <a:p>
             <a:r>
               <a:rPr lang="ru-RU" dirty="0"/>
-              <a:t>Был получен опыт написания документации к продукту</a:t>
+              <a:t>Разработано приложение</a:t>
             </a:r>
           </a:p>
           <a:p>
             <a:r>
               <a:rPr lang="ru-RU" dirty="0"/>
-              <a:t>Разработано приложение</a:t>
-            </a:r>
+              <a:t>Был получен опыт использования базового функционала </a:t>
+            </a:r>
+            <a:r>
+              <a:rPr lang="en-US" dirty="0"/>
+              <a:t>NoSQL Firebase</a:t>
+            </a:r>
+            <a:endParaRPr lang="ru-RU" dirty="0"/>
           </a:p>
           <a:p>
             <a:r>
               <a:rPr lang="ru-RU" dirty="0"/>
-              <a:t>Получен опыт работы с облачной </a:t>
+              <a:t>Приложение может использоваться студентами как</a:t>
             </a:r>
             <a:r>
               <a:rPr lang="en-US" dirty="0"/>
-              <a:t>NoSQL</a:t>
+              <a:t> </a:t>
             </a:r>
             <a:r>
               <a:rPr lang="ru-RU" dirty="0"/>
-              <a:t> </a:t>
-            </a:r>
-            <a:r>
-              <a:rPr lang="en-US" dirty="0"/>
-              <a:t>Firebase</a:t>
-            </a:r>
-            <a:endParaRPr lang="ru-RU" dirty="0"/>
+              <a:t>простой аналог другим мессенджерам</a:t>
+            </a:r>
           </a:p>
         </p:txBody>
       </p:sp>

--- a/shemas/Выступление.pptx
+++ b/shemas/Выступление.pptx
@@ -4003,9 +4003,6 @@
           <a:bodyPr/>
           <a:lstStyle/>
           <a:p>
-            <a:endParaRPr lang="ru-RU" dirty="0"/>
-          </a:p>
-          <a:p>
             <a:r>
               <a:rPr lang="ru-RU" dirty="0"/>
               <a:t>Разработать мобильное приложение чат</a:t>
@@ -4405,8 +4402,13 @@
           <a:p>
             <a:r>
               <a:rPr lang="ru-RU" dirty="0"/>
-              <a:t>ОСОБЕННОСТИ РАБОТЫ С БАЗОЙ ДАННЫХ</a:t>
-            </a:r>
+              <a:t>ОСОБЕННОСТИ РАБОТЫ С </a:t>
+            </a:r>
+            <a:r>
+              <a:rPr lang="en-US" dirty="0"/>
+              <a:t>Firebase</a:t>
+            </a:r>
+            <a:endParaRPr lang="ru-RU" dirty="0"/>
           </a:p>
         </p:txBody>
       </p:sp>
@@ -4562,14 +4564,19 @@
             <p:ph idx="1"/>
           </p:nvPr>
         </p:nvSpPr>
-        <p:spPr/>
+        <p:spPr>
+          <a:xfrm>
+            <a:off x="581192" y="2180496"/>
+            <a:ext cx="11029615" cy="3678303"/>
+          </a:xfrm>
+        </p:spPr>
         <p:txBody>
           <a:bodyPr/>
           <a:lstStyle/>
           <a:p>
             <a:r>
               <a:rPr lang="ru-RU" dirty="0"/>
-              <a:t>Разработано приложение</a:t>
+              <a:t>Получен опыт разработки мобильных приложений</a:t>
             </a:r>
           </a:p>
           <a:p>
